--- a/slides/final_presentation.pptx
+++ b/slides/final_presentation.pptx
@@ -21,16 +21,18 @@
     <p:sldId id="266" r:id="rId16"/>
     <p:sldId id="267" r:id="rId17"/>
     <p:sldId id="268" r:id="rId18"/>
+    <p:sldId id="269" r:id="rId19"/>
+    <p:sldId id="270" r:id="rId20"/>
   </p:sldIdLst>
   <p:sldSz cy="5143500" cx="9144000"/>
   <p:notesSz cx="6858000" cy="9144000"/>
   <p:embeddedFontLst>
     <p:embeddedFont>
       <p:font typeface="Roboto"/>
-      <p:regular r:id="rId19"/>
-      <p:bold r:id="rId20"/>
-      <p:italic r:id="rId21"/>
-      <p:boldItalic r:id="rId22"/>
+      <p:regular r:id="rId21"/>
+      <p:bold r:id="rId22"/>
+      <p:italic r:id="rId23"/>
+      <p:boldItalic r:id="rId24"/>
     </p:embeddedFont>
   </p:embeddedFontLst>
   <p:defaultTextStyle>
@@ -811,7 +813,7 @@
   <p:cSld>
     <p:spTree>
       <p:nvGrpSpPr>
-        <p:cNvPr id="103" name="Shape 103"/>
+        <p:cNvPr id="104" name="Shape 104"/>
         <p:cNvGrpSpPr/>
         <p:nvPr/>
       </p:nvGrpSpPr>
@@ -825,7 +827,7 @@
       </p:grpSpPr>
       <p:sp>
         <p:nvSpPr>
-          <p:cNvPr id="104" name="Google Shape;104;g19fa2873a6d_0_38:notes"/>
+          <p:cNvPr id="105" name="Google Shape;105;g19fa2873a6d_0_30:notes"/>
           <p:cNvSpPr/>
           <p:nvPr>
             <p:ph idx="2" type="sldImg"/>
@@ -860,7 +862,7 @@
       </p:sp>
       <p:sp>
         <p:nvSpPr>
-          <p:cNvPr id="105" name="Google Shape;105;g19fa2873a6d_0_38:notes"/>
+          <p:cNvPr id="106" name="Google Shape;106;g19fa2873a6d_0_30:notes"/>
           <p:cNvSpPr txBox="1"/>
           <p:nvPr>
             <p:ph idx="1" type="body"/>
@@ -924,7 +926,7 @@
       </p:grpSpPr>
       <p:sp>
         <p:nvSpPr>
-          <p:cNvPr id="110" name="Google Shape;110;g19fa2873a6d_0_34:notes"/>
+          <p:cNvPr id="110" name="Google Shape;110;g19fa2873a6d_0_38:notes"/>
           <p:cNvSpPr/>
           <p:nvPr>
             <p:ph idx="2" type="sldImg"/>
@@ -959,7 +961,7 @@
       </p:sp>
       <p:sp>
         <p:nvSpPr>
-          <p:cNvPr id="111" name="Google Shape;111;g19fa2873a6d_0_34:notes"/>
+          <p:cNvPr id="111" name="Google Shape;111;g19fa2873a6d_0_38:notes"/>
           <p:cNvSpPr txBox="1"/>
           <p:nvPr>
             <p:ph idx="1" type="body"/>
@@ -1009,7 +1011,7 @@
   <p:cSld>
     <p:spTree>
       <p:nvGrpSpPr>
-        <p:cNvPr id="114" name="Shape 114"/>
+        <p:cNvPr id="115" name="Shape 115"/>
         <p:cNvGrpSpPr/>
         <p:nvPr/>
       </p:nvGrpSpPr>
@@ -1023,7 +1025,7 @@
       </p:grpSpPr>
       <p:sp>
         <p:nvSpPr>
-          <p:cNvPr id="115" name="Google Shape;115;g19fa2873a6d_0_43:notes"/>
+          <p:cNvPr id="116" name="Google Shape;116;g19fa2873a6d_0_34:notes"/>
           <p:cNvSpPr/>
           <p:nvPr>
             <p:ph idx="2" type="sldImg"/>
@@ -1058,7 +1060,7 @@
       </p:sp>
       <p:sp>
         <p:nvSpPr>
-          <p:cNvPr id="116" name="Google Shape;116;g19fa2873a6d_0_43:notes"/>
+          <p:cNvPr id="117" name="Google Shape;117;g19fa2873a6d_0_34:notes"/>
           <p:cNvSpPr txBox="1"/>
           <p:nvPr>
             <p:ph idx="1" type="body"/>
@@ -1122,7 +1124,7 @@
       </p:grpSpPr>
       <p:sp>
         <p:nvSpPr>
-          <p:cNvPr id="121" name="Google Shape;121;g19fa2873a6d_0_53:notes"/>
+          <p:cNvPr id="121" name="Google Shape;121;g19fa2873a6d_0_43:notes"/>
           <p:cNvSpPr/>
           <p:nvPr>
             <p:ph idx="2" type="sldImg"/>
@@ -1157,7 +1159,205 @@
       </p:sp>
       <p:sp>
         <p:nvSpPr>
-          <p:cNvPr id="122" name="Google Shape;122;g19fa2873a6d_0_53:notes"/>
+          <p:cNvPr id="122" name="Google Shape;122;g19fa2873a6d_0_43:notes"/>
+          <p:cNvSpPr txBox="1"/>
+          <p:nvPr>
+            <p:ph idx="1" type="body"/>
+          </p:nvPr>
+        </p:nvSpPr>
+        <p:spPr>
+          <a:xfrm>
+            <a:off x="685800" y="4343400"/>
+            <a:ext cx="5486400" cy="4114800"/>
+          </a:xfrm>
+          <a:prstGeom prst="rect">
+            <a:avLst/>
+          </a:prstGeom>
+        </p:spPr>
+        <p:txBody>
+          <a:bodyPr anchorCtr="0" anchor="t" bIns="91425" lIns="91425" spcFirstLastPara="1" rIns="91425" wrap="square" tIns="91425">
+            <a:noAutofit/>
+          </a:bodyPr>
+          <a:lstStyle/>
+          <a:p>
+            <a:pPr indent="0" lvl="0" marL="0" rtl="0" algn="l">
+              <a:spcBef>
+                <a:spcPts val="0"/>
+              </a:spcBef>
+              <a:spcAft>
+                <a:spcPts val="0"/>
+              </a:spcAft>
+              <a:buNone/>
+            </a:pPr>
+            <a:r>
+              <a:t/>
+            </a:r>
+            <a:endParaRPr/>
+          </a:p>
+        </p:txBody>
+      </p:sp>
+    </p:spTree>
+  </p:cSld>
+  <p:clrMapOvr>
+    <a:masterClrMapping/>
+  </p:clrMapOvr>
+</p:notes>
+</file>
+
+<file path=ppt/notesSlides/notesSlide14.xml><?xml version="1.0" encoding="utf-8"?>
+<p:notes xmlns:a="http://schemas.openxmlformats.org/drawingml/2006/main" xmlns:r="http://schemas.openxmlformats.org/officeDocument/2006/relationships" xmlns:mc="http://schemas.openxmlformats.org/markup-compatibility/2006" xmlns:mv="urn:schemas-microsoft-com:mac:vml" xmlns:p="http://schemas.openxmlformats.org/presentationml/2006/main" xmlns:c="http://schemas.openxmlformats.org/drawingml/2006/chart" xmlns:dgm="http://schemas.openxmlformats.org/drawingml/2006/diagram" xmlns:o="urn:schemas-microsoft-com:office:office" xmlns:v="urn:schemas-microsoft-com:vml" xmlns:pvml="urn:schemas-microsoft-com:office:powerpoint" xmlns:com="http://schemas.openxmlformats.org/drawingml/2006/compatibility" xmlns:p14="http://schemas.microsoft.com/office/powerpoint/2010/main" xmlns:p15="http://schemas.microsoft.com/office/powerpoint/2012/main" xmlns:ahyp="http://schemas.microsoft.com/office/drawing/2018/hyperlinkcolor" showMasterPhAnim="0" showMasterSp="0">
+  <p:cSld>
+    <p:spTree>
+      <p:nvGrpSpPr>
+        <p:cNvPr id="126" name="Shape 126"/>
+        <p:cNvGrpSpPr/>
+        <p:nvPr/>
+      </p:nvGrpSpPr>
+      <p:grpSpPr>
+        <a:xfrm>
+          <a:off x="0" y="0"/>
+          <a:ext cx="0" cy="0"/>
+          <a:chOff x="0" y="0"/>
+          <a:chExt cx="0" cy="0"/>
+        </a:xfrm>
+      </p:grpSpPr>
+      <p:sp>
+        <p:nvSpPr>
+          <p:cNvPr id="127" name="Google Shape;127;g19fa2873a6d_0_53:notes"/>
+          <p:cNvSpPr/>
+          <p:nvPr>
+            <p:ph idx="2" type="sldImg"/>
+          </p:nvPr>
+        </p:nvSpPr>
+        <p:spPr>
+          <a:xfrm>
+            <a:off x="381300" y="685800"/>
+            <a:ext cx="6096000" cy="3429000"/>
+          </a:xfrm>
+          <a:custGeom>
+            <a:rect b="b" l="l" r="r" t="t"/>
+            <a:pathLst>
+              <a:path extrusionOk="0" h="120000" w="120000">
+                <a:moveTo>
+                  <a:pt x="0" y="0"/>
+                </a:moveTo>
+                <a:lnTo>
+                  <a:pt x="120000" y="0"/>
+                </a:lnTo>
+                <a:lnTo>
+                  <a:pt x="120000" y="120000"/>
+                </a:lnTo>
+                <a:lnTo>
+                  <a:pt x="0" y="120000"/>
+                </a:lnTo>
+                <a:close/>
+              </a:path>
+            </a:pathLst>
+          </a:custGeom>
+        </p:spPr>
+      </p:sp>
+      <p:sp>
+        <p:nvSpPr>
+          <p:cNvPr id="128" name="Google Shape;128;g19fa2873a6d_0_53:notes"/>
+          <p:cNvSpPr txBox="1"/>
+          <p:nvPr>
+            <p:ph idx="1" type="body"/>
+          </p:nvPr>
+        </p:nvSpPr>
+        <p:spPr>
+          <a:xfrm>
+            <a:off x="685800" y="4343400"/>
+            <a:ext cx="5486400" cy="4114800"/>
+          </a:xfrm>
+          <a:prstGeom prst="rect">
+            <a:avLst/>
+          </a:prstGeom>
+        </p:spPr>
+        <p:txBody>
+          <a:bodyPr anchorCtr="0" anchor="t" bIns="91425" lIns="91425" spcFirstLastPara="1" rIns="91425" wrap="square" tIns="91425">
+            <a:noAutofit/>
+          </a:bodyPr>
+          <a:lstStyle/>
+          <a:p>
+            <a:pPr indent="0" lvl="0" marL="0" rtl="0" algn="l">
+              <a:spcBef>
+                <a:spcPts val="0"/>
+              </a:spcBef>
+              <a:spcAft>
+                <a:spcPts val="0"/>
+              </a:spcAft>
+              <a:buNone/>
+            </a:pPr>
+            <a:r>
+              <a:t/>
+            </a:r>
+            <a:endParaRPr/>
+          </a:p>
+        </p:txBody>
+      </p:sp>
+    </p:spTree>
+  </p:cSld>
+  <p:clrMapOvr>
+    <a:masterClrMapping/>
+  </p:clrMapOvr>
+</p:notes>
+</file>
+
+<file path=ppt/notesSlides/notesSlide15.xml><?xml version="1.0" encoding="utf-8"?>
+<p:notes xmlns:a="http://schemas.openxmlformats.org/drawingml/2006/main" xmlns:r="http://schemas.openxmlformats.org/officeDocument/2006/relationships" xmlns:mc="http://schemas.openxmlformats.org/markup-compatibility/2006" xmlns:mv="urn:schemas-microsoft-com:mac:vml" xmlns:p="http://schemas.openxmlformats.org/presentationml/2006/main" xmlns:c="http://schemas.openxmlformats.org/drawingml/2006/chart" xmlns:dgm="http://schemas.openxmlformats.org/drawingml/2006/diagram" xmlns:o="urn:schemas-microsoft-com:office:office" xmlns:v="urn:schemas-microsoft-com:vml" xmlns:pvml="urn:schemas-microsoft-com:office:powerpoint" xmlns:com="http://schemas.openxmlformats.org/drawingml/2006/compatibility" xmlns:p14="http://schemas.microsoft.com/office/powerpoint/2010/main" xmlns:p15="http://schemas.microsoft.com/office/powerpoint/2012/main" xmlns:ahyp="http://schemas.microsoft.com/office/drawing/2018/hyperlinkcolor" showMasterPhAnim="0" showMasterSp="0">
+  <p:cSld>
+    <p:spTree>
+      <p:nvGrpSpPr>
+        <p:cNvPr id="132" name="Shape 132"/>
+        <p:cNvGrpSpPr/>
+        <p:nvPr/>
+      </p:nvGrpSpPr>
+      <p:grpSpPr>
+        <a:xfrm>
+          <a:off x="0" y="0"/>
+          <a:ext cx="0" cy="0"/>
+          <a:chOff x="0" y="0"/>
+          <a:chExt cx="0" cy="0"/>
+        </a:xfrm>
+      </p:grpSpPr>
+      <p:sp>
+        <p:nvSpPr>
+          <p:cNvPr id="133" name="Google Shape;133;g19fa2873a6d_0_83:notes"/>
+          <p:cNvSpPr/>
+          <p:nvPr>
+            <p:ph idx="2" type="sldImg"/>
+          </p:nvPr>
+        </p:nvSpPr>
+        <p:spPr>
+          <a:xfrm>
+            <a:off x="381300" y="685800"/>
+            <a:ext cx="6096000" cy="3429000"/>
+          </a:xfrm>
+          <a:custGeom>
+            <a:rect b="b" l="l" r="r" t="t"/>
+            <a:pathLst>
+              <a:path extrusionOk="0" h="120000" w="120000">
+                <a:moveTo>
+                  <a:pt x="0" y="0"/>
+                </a:moveTo>
+                <a:lnTo>
+                  <a:pt x="120000" y="0"/>
+                </a:lnTo>
+                <a:lnTo>
+                  <a:pt x="120000" y="120000"/>
+                </a:lnTo>
+                <a:lnTo>
+                  <a:pt x="0" y="120000"/>
+                </a:lnTo>
+                <a:close/>
+              </a:path>
+            </a:pathLst>
+          </a:custGeom>
+        </p:spPr>
+      </p:sp>
+      <p:sp>
+        <p:nvSpPr>
+          <p:cNvPr id="134" name="Google Shape;134;g19fa2873a6d_0_83:notes"/>
           <p:cNvSpPr txBox="1"/>
           <p:nvPr>
             <p:ph idx="1" type="body"/>
@@ -1320,7 +1520,7 @@
       </p:grpSpPr>
       <p:sp>
         <p:nvSpPr>
-          <p:cNvPr id="63" name="Google Shape;63;g19fa2873a6d_0_63:notes"/>
+          <p:cNvPr id="63" name="Google Shape;63;g19fa2873a6d_0_78:notes"/>
           <p:cNvSpPr/>
           <p:nvPr>
             <p:ph idx="2" type="sldImg"/>
@@ -1355,7 +1555,7 @@
       </p:sp>
       <p:sp>
         <p:nvSpPr>
-          <p:cNvPr id="64" name="Google Shape;64;g19fa2873a6d_0_63:notes"/>
+          <p:cNvPr id="64" name="Google Shape;64;g19fa2873a6d_0_78:notes"/>
           <p:cNvSpPr txBox="1"/>
           <p:nvPr>
             <p:ph idx="1" type="body"/>
@@ -1419,7 +1619,7 @@
       </p:grpSpPr>
       <p:sp>
         <p:nvSpPr>
-          <p:cNvPr id="69" name="Google Shape;69;g19fa2873a6d_0_68:notes"/>
+          <p:cNvPr id="69" name="Google Shape;69;g19fa2873a6d_0_63:notes"/>
           <p:cNvSpPr/>
           <p:nvPr>
             <p:ph idx="2" type="sldImg"/>
@@ -1454,7 +1654,7 @@
       </p:sp>
       <p:sp>
         <p:nvSpPr>
-          <p:cNvPr id="70" name="Google Shape;70;g19fa2873a6d_0_68:notes"/>
+          <p:cNvPr id="70" name="Google Shape;70;g19fa2873a6d_0_63:notes"/>
           <p:cNvSpPr txBox="1"/>
           <p:nvPr>
             <p:ph idx="1" type="body"/>
@@ -1518,7 +1718,7 @@
       </p:grpSpPr>
       <p:sp>
         <p:nvSpPr>
-          <p:cNvPr id="75" name="Google Shape;75;g19fa2873a6d_0_5:notes"/>
+          <p:cNvPr id="75" name="Google Shape;75;g19fa2873a6d_0_68:notes"/>
           <p:cNvSpPr/>
           <p:nvPr>
             <p:ph idx="2" type="sldImg"/>
@@ -1553,7 +1753,7 @@
       </p:sp>
       <p:sp>
         <p:nvSpPr>
-          <p:cNvPr id="76" name="Google Shape;76;g19fa2873a6d_0_5:notes"/>
+          <p:cNvPr id="76" name="Google Shape;76;g19fa2873a6d_0_68:notes"/>
           <p:cNvSpPr txBox="1"/>
           <p:nvPr>
             <p:ph idx="1" type="body"/>
@@ -1617,7 +1817,7 @@
       </p:grpSpPr>
       <p:sp>
         <p:nvSpPr>
-          <p:cNvPr id="81" name="Google Shape;81;g19fa2873a6d_0_10:notes"/>
+          <p:cNvPr id="81" name="Google Shape;81;g19fa2873a6d_0_5:notes"/>
           <p:cNvSpPr/>
           <p:nvPr>
             <p:ph idx="2" type="sldImg"/>
@@ -1652,7 +1852,7 @@
       </p:sp>
       <p:sp>
         <p:nvSpPr>
-          <p:cNvPr id="82" name="Google Shape;82;g19fa2873a6d_0_10:notes"/>
+          <p:cNvPr id="82" name="Google Shape;82;g19fa2873a6d_0_5:notes"/>
           <p:cNvSpPr txBox="1"/>
           <p:nvPr>
             <p:ph idx="1" type="body"/>
@@ -1716,7 +1916,7 @@
       </p:grpSpPr>
       <p:sp>
         <p:nvSpPr>
-          <p:cNvPr id="87" name="Google Shape;87;g19fa2873a6d_0_15:notes"/>
+          <p:cNvPr id="87" name="Google Shape;87;g19fa2873a6d_0_10:notes"/>
           <p:cNvSpPr/>
           <p:nvPr>
             <p:ph idx="2" type="sldImg"/>
@@ -1751,7 +1951,7 @@
       </p:sp>
       <p:sp>
         <p:nvSpPr>
-          <p:cNvPr id="88" name="Google Shape;88;g19fa2873a6d_0_15:notes"/>
+          <p:cNvPr id="88" name="Google Shape;88;g19fa2873a6d_0_10:notes"/>
           <p:cNvSpPr txBox="1"/>
           <p:nvPr>
             <p:ph idx="1" type="body"/>
@@ -1815,7 +2015,7 @@
       </p:grpSpPr>
       <p:sp>
         <p:nvSpPr>
-          <p:cNvPr id="93" name="Google Shape;93;g19fa2873a6d_0_20:notes"/>
+          <p:cNvPr id="93" name="Google Shape;93;g19fa2873a6d_0_15:notes"/>
           <p:cNvSpPr/>
           <p:nvPr>
             <p:ph idx="2" type="sldImg"/>
@@ -1850,7 +2050,7 @@
       </p:sp>
       <p:sp>
         <p:nvSpPr>
-          <p:cNvPr id="94" name="Google Shape;94;g19fa2873a6d_0_20:notes"/>
+          <p:cNvPr id="94" name="Google Shape;94;g19fa2873a6d_0_15:notes"/>
           <p:cNvSpPr txBox="1"/>
           <p:nvPr>
             <p:ph idx="1" type="body"/>
@@ -1914,7 +2114,7 @@
       </p:grpSpPr>
       <p:sp>
         <p:nvSpPr>
-          <p:cNvPr id="99" name="Google Shape;99;g19fa2873a6d_0_30:notes"/>
+          <p:cNvPr id="99" name="Google Shape;99;g19fa2873a6d_0_20:notes"/>
           <p:cNvSpPr/>
           <p:nvPr>
             <p:ph idx="2" type="sldImg"/>
@@ -1949,7 +2149,7 @@
       </p:sp>
       <p:sp>
         <p:nvSpPr>
-          <p:cNvPr id="100" name="Google Shape;100;g19fa2873a6d_0_30:notes"/>
+          <p:cNvPr id="100" name="Google Shape;100;g19fa2873a6d_0_20:notes"/>
           <p:cNvSpPr txBox="1"/>
           <p:nvPr>
             <p:ph idx="1" type="body"/>
@@ -6753,7 +6953,7 @@
   <p:cSld>
     <p:spTree>
       <p:nvGrpSpPr>
-        <p:cNvPr id="106" name="Shape 106"/>
+        <p:cNvPr id="107" name="Shape 107"/>
         <p:cNvGrpSpPr/>
         <p:nvPr/>
       </p:nvGrpSpPr>
@@ -6767,7 +6967,7 @@
       </p:grpSpPr>
       <p:sp>
         <p:nvSpPr>
-          <p:cNvPr id="107" name="Google Shape;107;p22"/>
+          <p:cNvPr id="108" name="Google Shape;108;p22"/>
           <p:cNvSpPr txBox="1"/>
           <p:nvPr>
             <p:ph type="title"/>
@@ -6775,167 +6975,31 @@
         </p:nvSpPr>
         <p:spPr>
           <a:xfrm>
-            <a:off x="311700" y="445025"/>
-            <a:ext cx="8520600" cy="572700"/>
+            <a:off x="311700" y="2150850"/>
+            <a:ext cx="8520600" cy="841800"/>
           </a:xfrm>
           <a:prstGeom prst="rect">
             <a:avLst/>
           </a:prstGeom>
         </p:spPr>
         <p:txBody>
-          <a:bodyPr anchorCtr="0" anchor="t" bIns="91425" lIns="91425" spcFirstLastPara="1" rIns="91425" wrap="square" tIns="91425">
-            <a:normAutofit fontScale="90000"/>
-          </a:bodyPr>
-          <a:lstStyle/>
-          <a:p>
-            <a:pPr indent="0" lvl="0" marL="0" rtl="0" algn="l">
-              <a:spcBef>
-                <a:spcPts val="0"/>
-              </a:spcBef>
-              <a:spcAft>
-                <a:spcPts val="0"/>
-              </a:spcAft>
-              <a:buClr>
-                <a:schemeClr val="dk1"/>
-              </a:buClr>
-              <a:buSzPct val="30555"/>
-              <a:buFont typeface="Arial"/>
-              <a:buNone/>
-            </a:pPr>
-            <a:r>
-              <a:rPr lang="en" sz="3600"/>
-              <a:t>Quantitative Analysis - conclusion</a:t>
-            </a:r>
-            <a:endParaRPr sz="3600"/>
-          </a:p>
-          <a:p>
-            <a:pPr indent="0" lvl="0" marL="0" rtl="0" algn="l">
-              <a:spcBef>
-                <a:spcPts val="0"/>
-              </a:spcBef>
-              <a:spcAft>
-                <a:spcPts val="0"/>
-              </a:spcAft>
-              <a:buNone/>
-            </a:pPr>
-            <a:r>
-              <a:t/>
-            </a:r>
-            <a:endParaRPr/>
-          </a:p>
-        </p:txBody>
-      </p:sp>
-      <p:sp>
-        <p:nvSpPr>
-          <p:cNvPr id="108" name="Google Shape;108;p22"/>
-          <p:cNvSpPr txBox="1"/>
-          <p:nvPr>
-            <p:ph idx="1" type="body"/>
-          </p:nvPr>
-        </p:nvSpPr>
-        <p:spPr>
-          <a:xfrm>
-            <a:off x="311700" y="1152475"/>
-            <a:ext cx="8520600" cy="3416400"/>
-          </a:xfrm>
-          <a:prstGeom prst="rect">
-            <a:avLst/>
-          </a:prstGeom>
-        </p:spPr>
-        <p:txBody>
-          <a:bodyPr anchorCtr="0" anchor="t" bIns="91425" lIns="91425" spcFirstLastPara="1" rIns="91425" wrap="square" tIns="91425">
+          <a:bodyPr anchorCtr="0" anchor="ctr" bIns="91425" lIns="91425" spcFirstLastPara="1" rIns="91425" wrap="square" tIns="91425">
             <a:normAutofit/>
           </a:bodyPr>
           <a:lstStyle/>
           <a:p>
-            <a:pPr indent="-342900" lvl="0" marL="457200" rtl="0" algn="l">
-              <a:spcBef>
-                <a:spcPts val="0"/>
-              </a:spcBef>
-              <a:spcAft>
-                <a:spcPts val="0"/>
-              </a:spcAft>
-              <a:buSzPts val="1800"/>
-              <a:buChar char="●"/>
+            <a:pPr indent="0" lvl="0" marL="0" rtl="0" algn="ctr">
+              <a:spcBef>
+                <a:spcPts val="0"/>
+              </a:spcBef>
+              <a:spcAft>
+                <a:spcPts val="0"/>
+              </a:spcAft>
+              <a:buNone/>
             </a:pPr>
             <a:r>
               <a:rPr lang="en"/>
-              <a:t>The </a:t>
-            </a:r>
-            <a:r>
-              <a:rPr lang="en"/>
-              <a:t>effectiveness of certain Models</a:t>
-            </a:r>
-            <a:endParaRPr/>
-          </a:p>
-          <a:p>
-            <a:pPr indent="-342900" lvl="0" marL="457200" rtl="0" algn="l">
-              <a:spcBef>
-                <a:spcPts val="0"/>
-              </a:spcBef>
-              <a:spcAft>
-                <a:spcPts val="0"/>
-              </a:spcAft>
-              <a:buSzPts val="1800"/>
-              <a:buChar char="●"/>
-            </a:pPr>
-            <a:r>
-              <a:rPr lang="en"/>
-              <a:t>How successfully were able to predict the rating based on they key words</a:t>
-            </a:r>
-            <a:endParaRPr/>
-          </a:p>
-          <a:p>
-            <a:pPr indent="-342900" lvl="0" marL="457200" rtl="0" algn="l">
-              <a:spcBef>
-                <a:spcPts val="0"/>
-              </a:spcBef>
-              <a:spcAft>
-                <a:spcPts val="0"/>
-              </a:spcAft>
-              <a:buSzPts val="1800"/>
-              <a:buChar char="●"/>
-            </a:pPr>
-            <a:r>
-              <a:rPr lang="en"/>
-              <a:t>How successfully were able to classify the rating based on they key words</a:t>
-            </a:r>
-            <a:endParaRPr/>
-          </a:p>
-          <a:p>
-            <a:pPr indent="-342900" lvl="0" marL="457200" rtl="0" algn="l">
-              <a:spcBef>
-                <a:spcPts val="0"/>
-              </a:spcBef>
-              <a:spcAft>
-                <a:spcPts val="0"/>
-              </a:spcAft>
-              <a:buSzPts val="1800"/>
-              <a:buChar char="●"/>
-            </a:pPr>
-            <a:r>
-              <a:rPr lang="en" sz="1050">
-                <a:solidFill>
-                  <a:srgbClr val="1C1D1F"/>
-                </a:solidFill>
-                <a:latin typeface="Roboto"/>
-                <a:ea typeface="Roboto"/>
-                <a:cs typeface="Roboto"/>
-                <a:sym typeface="Roboto"/>
-              </a:rPr>
-              <a:t> </a:t>
-            </a:r>
-            <a:r>
-              <a:rPr lang="en">
-                <a:solidFill>
-                  <a:srgbClr val="1C1D1F"/>
-                </a:solidFill>
-              </a:rPr>
-              <a:t>purchase probability elasticity, brand choice own price elasticity, brand choice cross-price elasticity, and purchase quantity elasticity</a:t>
-            </a:r>
-            <a:r>
-              <a:rPr lang="en"/>
-              <a:t> </a:t>
+              <a:t>Quantitative Analysis</a:t>
             </a:r>
             <a:endParaRPr/>
           </a:p>
@@ -6976,71 +7040,6 @@
         </p:nvSpPr>
         <p:spPr>
           <a:xfrm>
-            <a:off x="311700" y="2150850"/>
-            <a:ext cx="8520600" cy="841800"/>
-          </a:xfrm>
-          <a:prstGeom prst="rect">
-            <a:avLst/>
-          </a:prstGeom>
-        </p:spPr>
-        <p:txBody>
-          <a:bodyPr anchorCtr="0" anchor="ctr" bIns="91425" lIns="91425" spcFirstLastPara="1" rIns="91425" wrap="square" tIns="91425">
-            <a:normAutofit/>
-          </a:bodyPr>
-          <a:lstStyle/>
-          <a:p>
-            <a:pPr indent="0" lvl="0" marL="0" rtl="0" algn="ctr">
-              <a:spcBef>
-                <a:spcPts val="0"/>
-              </a:spcBef>
-              <a:spcAft>
-                <a:spcPts val="0"/>
-              </a:spcAft>
-              <a:buNone/>
-            </a:pPr>
-            <a:r>
-              <a:rPr lang="en"/>
-              <a:t>Qualitative Analysis</a:t>
-            </a:r>
-            <a:endParaRPr/>
-          </a:p>
-        </p:txBody>
-      </p:sp>
-    </p:spTree>
-  </p:cSld>
-  <p:clrMapOvr>
-    <a:masterClrMapping/>
-  </p:clrMapOvr>
-</p:sld>
-</file>
-
-<file path=ppt/slides/slide12.xml><?xml version="1.0" encoding="utf-8"?>
-<p:sld xmlns:a="http://schemas.openxmlformats.org/drawingml/2006/main" xmlns:r="http://schemas.openxmlformats.org/officeDocument/2006/relationships" xmlns:mc="http://schemas.openxmlformats.org/markup-compatibility/2006" xmlns:mv="urn:schemas-microsoft-com:mac:vml" xmlns:p="http://schemas.openxmlformats.org/presentationml/2006/main" xmlns:c="http://schemas.openxmlformats.org/drawingml/2006/chart" xmlns:dgm="http://schemas.openxmlformats.org/drawingml/2006/diagram" xmlns:o="urn:schemas-microsoft-com:office:office" xmlns:v="urn:schemas-microsoft-com:vml" xmlns:pvml="urn:schemas-microsoft-com:office:powerpoint" xmlns:com="http://schemas.openxmlformats.org/drawingml/2006/compatibility" xmlns:p14="http://schemas.microsoft.com/office/powerpoint/2010/main" xmlns:p15="http://schemas.microsoft.com/office/powerpoint/2012/main" xmlns:ahyp="http://schemas.microsoft.com/office/drawing/2018/hyperlinkcolor">
-  <p:cSld>
-    <p:spTree>
-      <p:nvGrpSpPr>
-        <p:cNvPr id="117" name="Shape 117"/>
-        <p:cNvGrpSpPr/>
-        <p:nvPr/>
-      </p:nvGrpSpPr>
-      <p:grpSpPr>
-        <a:xfrm>
-          <a:off x="0" y="0"/>
-          <a:ext cx="0" cy="0"/>
-          <a:chOff x="0" y="0"/>
-          <a:chExt cx="0" cy="0"/>
-        </a:xfrm>
-      </p:grpSpPr>
-      <p:sp>
-        <p:nvSpPr>
-          <p:cNvPr id="118" name="Google Shape;118;p24"/>
-          <p:cNvSpPr txBox="1"/>
-          <p:nvPr>
-            <p:ph type="title"/>
-          </p:nvPr>
-        </p:nvSpPr>
-        <p:spPr>
-          <a:xfrm>
             <a:off x="311700" y="445025"/>
             <a:ext cx="8520600" cy="572700"/>
           </a:xfrm>
@@ -7061,11 +7060,31 @@
               <a:spcAft>
                 <a:spcPts val="0"/>
               </a:spcAft>
+              <a:buClr>
+                <a:schemeClr val="dk1"/>
+              </a:buClr>
+              <a:buSzPct val="30555"/>
+              <a:buFont typeface="Arial"/>
               <a:buNone/>
             </a:pPr>
             <a:r>
-              <a:rPr lang="en"/>
-              <a:t>Qualitative Analysis -Conclusion</a:t>
+              <a:rPr lang="en" sz="3600"/>
+              <a:t>Quantitative Analysis - conclusion</a:t>
+            </a:r>
+            <a:endParaRPr sz="3600"/>
+          </a:p>
+          <a:p>
+            <a:pPr indent="0" lvl="0" marL="0" rtl="0" algn="l">
+              <a:spcBef>
+                <a:spcPts val="0"/>
+              </a:spcBef>
+              <a:spcAft>
+                <a:spcPts val="0"/>
+              </a:spcAft>
+              <a:buNone/>
+            </a:pPr>
+            <a:r>
+              <a:t/>
             </a:r>
             <a:endParaRPr/>
           </a:p>
@@ -7073,7 +7092,7 @@
       </p:sp>
       <p:sp>
         <p:nvSpPr>
-          <p:cNvPr id="119" name="Google Shape;119;p24"/>
+          <p:cNvPr id="114" name="Google Shape;114;p23"/>
           <p:cNvSpPr txBox="1"/>
           <p:nvPr>
             <p:ph idx="1" type="body"/>
@@ -7094,26 +7113,159 @@
           </a:bodyPr>
           <a:lstStyle/>
           <a:p>
-            <a:pPr indent="0" lvl="0" marL="0" rtl="0" algn="l">
-              <a:spcBef>
-                <a:spcPts val="0"/>
-              </a:spcBef>
-              <a:spcAft>
-                <a:spcPts val="1200"/>
-              </a:spcAft>
-              <a:buNone/>
+            <a:pPr indent="-342900" lvl="0" marL="457200" rtl="0" algn="l">
+              <a:spcBef>
+                <a:spcPts val="0"/>
+              </a:spcBef>
+              <a:spcAft>
+                <a:spcPts val="0"/>
+              </a:spcAft>
+              <a:buSzPts val="1800"/>
+              <a:buChar char="●"/>
             </a:pPr>
             <a:r>
               <a:rPr lang="en"/>
-              <a:t>Based on </a:t>
+              <a:t>The </a:t>
             </a:r>
             <a:r>
               <a:rPr lang="en"/>
-              <a:t>certain</a:t>
+              <a:t>effectiveness of certain Models</a:t>
+            </a:r>
+            <a:endParaRPr/>
+          </a:p>
+          <a:p>
+            <a:pPr indent="-342900" lvl="0" marL="457200" rtl="0" algn="l">
+              <a:spcBef>
+                <a:spcPts val="0"/>
+              </a:spcBef>
+              <a:spcAft>
+                <a:spcPts val="0"/>
+              </a:spcAft>
+              <a:buSzPts val="1800"/>
+              <a:buChar char="●"/>
+            </a:pPr>
+            <a:r>
+              <a:rPr lang="en"/>
+              <a:t>How successfully were able to predict the rating based on they key words</a:t>
+            </a:r>
+            <a:endParaRPr/>
+          </a:p>
+          <a:p>
+            <a:pPr indent="-342900" lvl="0" marL="457200" rtl="0" algn="l">
+              <a:spcBef>
+                <a:spcPts val="0"/>
+              </a:spcBef>
+              <a:spcAft>
+                <a:spcPts val="0"/>
+              </a:spcAft>
+              <a:buSzPts val="1800"/>
+              <a:buChar char="●"/>
+            </a:pPr>
+            <a:r>
+              <a:rPr lang="en"/>
+              <a:t>How successfully were able to classify the rating based on they key words</a:t>
+            </a:r>
+            <a:endParaRPr/>
+          </a:p>
+          <a:p>
+            <a:pPr indent="-342900" lvl="0" marL="457200" rtl="0" algn="l">
+              <a:spcBef>
+                <a:spcPts val="0"/>
+              </a:spcBef>
+              <a:spcAft>
+                <a:spcPts val="0"/>
+              </a:spcAft>
+              <a:buSzPts val="1800"/>
+              <a:buChar char="●"/>
+            </a:pPr>
+            <a:r>
+              <a:rPr lang="en" sz="1050">
+                <a:solidFill>
+                  <a:srgbClr val="1C1D1F"/>
+                </a:solidFill>
+                <a:latin typeface="Roboto"/>
+                <a:ea typeface="Roboto"/>
+                <a:cs typeface="Roboto"/>
+                <a:sym typeface="Roboto"/>
+              </a:rPr>
+              <a:t> </a:t>
+            </a:r>
+            <a:r>
+              <a:rPr lang="en">
+                <a:solidFill>
+                  <a:srgbClr val="1C1D1F"/>
+                </a:solidFill>
+              </a:rPr>
+              <a:t>purchase probability elasticity, brand choice own price elasticity, brand choice cross-price elasticity, and purchase quantity elasticity</a:t>
             </a:r>
             <a:r>
               <a:rPr lang="en"/>
-              <a:t> data points and conclusions from Quantitative analysis, we can improve certain services or products for the customers to get reviews</a:t>
+              <a:t> </a:t>
+            </a:r>
+            <a:endParaRPr/>
+          </a:p>
+        </p:txBody>
+      </p:sp>
+    </p:spTree>
+  </p:cSld>
+  <p:clrMapOvr>
+    <a:masterClrMapping/>
+  </p:clrMapOvr>
+</p:sld>
+</file>
+
+<file path=ppt/slides/slide12.xml><?xml version="1.0" encoding="utf-8"?>
+<p:sld xmlns:a="http://schemas.openxmlformats.org/drawingml/2006/main" xmlns:r="http://schemas.openxmlformats.org/officeDocument/2006/relationships" xmlns:mc="http://schemas.openxmlformats.org/markup-compatibility/2006" xmlns:mv="urn:schemas-microsoft-com:mac:vml" xmlns:p="http://schemas.openxmlformats.org/presentationml/2006/main" xmlns:c="http://schemas.openxmlformats.org/drawingml/2006/chart" xmlns:dgm="http://schemas.openxmlformats.org/drawingml/2006/diagram" xmlns:o="urn:schemas-microsoft-com:office:office" xmlns:v="urn:schemas-microsoft-com:vml" xmlns:pvml="urn:schemas-microsoft-com:office:powerpoint" xmlns:com="http://schemas.openxmlformats.org/drawingml/2006/compatibility" xmlns:p14="http://schemas.microsoft.com/office/powerpoint/2010/main" xmlns:p15="http://schemas.microsoft.com/office/powerpoint/2012/main" xmlns:ahyp="http://schemas.microsoft.com/office/drawing/2018/hyperlinkcolor">
+  <p:cSld>
+    <p:spTree>
+      <p:nvGrpSpPr>
+        <p:cNvPr id="118" name="Shape 118"/>
+        <p:cNvGrpSpPr/>
+        <p:nvPr/>
+      </p:nvGrpSpPr>
+      <p:grpSpPr>
+        <a:xfrm>
+          <a:off x="0" y="0"/>
+          <a:ext cx="0" cy="0"/>
+          <a:chOff x="0" y="0"/>
+          <a:chExt cx="0" cy="0"/>
+        </a:xfrm>
+      </p:grpSpPr>
+      <p:sp>
+        <p:nvSpPr>
+          <p:cNvPr id="119" name="Google Shape;119;p24"/>
+          <p:cNvSpPr txBox="1"/>
+          <p:nvPr>
+            <p:ph type="title"/>
+          </p:nvPr>
+        </p:nvSpPr>
+        <p:spPr>
+          <a:xfrm>
+            <a:off x="311700" y="2150850"/>
+            <a:ext cx="8520600" cy="841800"/>
+          </a:xfrm>
+          <a:prstGeom prst="rect">
+            <a:avLst/>
+          </a:prstGeom>
+        </p:spPr>
+        <p:txBody>
+          <a:bodyPr anchorCtr="0" anchor="ctr" bIns="91425" lIns="91425" spcFirstLastPara="1" rIns="91425" wrap="square" tIns="91425">
+            <a:normAutofit/>
+          </a:bodyPr>
+          <a:lstStyle/>
+          <a:p>
+            <a:pPr indent="0" lvl="0" marL="0" rtl="0" algn="ctr">
+              <a:spcBef>
+                <a:spcPts val="0"/>
+              </a:spcBef>
+              <a:spcAft>
+                <a:spcPts val="0"/>
+              </a:spcAft>
+              <a:buNone/>
+            </a:pPr>
+            <a:r>
+              <a:rPr lang="en"/>
+              <a:t>Qualitative Analysis</a:t>
             </a:r>
             <a:endParaRPr/>
           </a:p>
@@ -7178,7 +7330,7 @@
             </a:pPr>
             <a:r>
               <a:rPr lang="en"/>
-              <a:t>Next steps</a:t>
+              <a:t>Qualitative Analysis -Conclusion</a:t>
             </a:r>
             <a:endParaRPr/>
           </a:p>
@@ -7207,6 +7359,119 @@
           </a:bodyPr>
           <a:lstStyle/>
           <a:p>
+            <a:pPr indent="0" lvl="0" marL="0" rtl="0" algn="l">
+              <a:spcBef>
+                <a:spcPts val="0"/>
+              </a:spcBef>
+              <a:spcAft>
+                <a:spcPts val="1200"/>
+              </a:spcAft>
+              <a:buNone/>
+            </a:pPr>
+            <a:r>
+              <a:rPr lang="en"/>
+              <a:t>Based on </a:t>
+            </a:r>
+            <a:r>
+              <a:rPr lang="en"/>
+              <a:t>certain</a:t>
+            </a:r>
+            <a:r>
+              <a:rPr lang="en"/>
+              <a:t> data points and conclusions from Quantitative analysis, we can improve certain services or products for the customers to get reviews</a:t>
+            </a:r>
+            <a:endParaRPr/>
+          </a:p>
+        </p:txBody>
+      </p:sp>
+    </p:spTree>
+  </p:cSld>
+  <p:clrMapOvr>
+    <a:masterClrMapping/>
+  </p:clrMapOvr>
+</p:sld>
+</file>
+
+<file path=ppt/slides/slide14.xml><?xml version="1.0" encoding="utf-8"?>
+<p:sld xmlns:a="http://schemas.openxmlformats.org/drawingml/2006/main" xmlns:r="http://schemas.openxmlformats.org/officeDocument/2006/relationships" xmlns:mc="http://schemas.openxmlformats.org/markup-compatibility/2006" xmlns:mv="urn:schemas-microsoft-com:mac:vml" xmlns:p="http://schemas.openxmlformats.org/presentationml/2006/main" xmlns:c="http://schemas.openxmlformats.org/drawingml/2006/chart" xmlns:dgm="http://schemas.openxmlformats.org/drawingml/2006/diagram" xmlns:o="urn:schemas-microsoft-com:office:office" xmlns:v="urn:schemas-microsoft-com:vml" xmlns:pvml="urn:schemas-microsoft-com:office:powerpoint" xmlns:com="http://schemas.openxmlformats.org/drawingml/2006/compatibility" xmlns:p14="http://schemas.microsoft.com/office/powerpoint/2010/main" xmlns:p15="http://schemas.microsoft.com/office/powerpoint/2012/main" xmlns:ahyp="http://schemas.microsoft.com/office/drawing/2018/hyperlinkcolor">
+  <p:cSld>
+    <p:spTree>
+      <p:nvGrpSpPr>
+        <p:cNvPr id="129" name="Shape 129"/>
+        <p:cNvGrpSpPr/>
+        <p:nvPr/>
+      </p:nvGrpSpPr>
+      <p:grpSpPr>
+        <a:xfrm>
+          <a:off x="0" y="0"/>
+          <a:ext cx="0" cy="0"/>
+          <a:chOff x="0" y="0"/>
+          <a:chExt cx="0" cy="0"/>
+        </a:xfrm>
+      </p:grpSpPr>
+      <p:sp>
+        <p:nvSpPr>
+          <p:cNvPr id="130" name="Google Shape;130;p26"/>
+          <p:cNvSpPr txBox="1"/>
+          <p:nvPr>
+            <p:ph type="title"/>
+          </p:nvPr>
+        </p:nvSpPr>
+        <p:spPr>
+          <a:xfrm>
+            <a:off x="311700" y="445025"/>
+            <a:ext cx="8520600" cy="572700"/>
+          </a:xfrm>
+          <a:prstGeom prst="rect">
+            <a:avLst/>
+          </a:prstGeom>
+        </p:spPr>
+        <p:txBody>
+          <a:bodyPr anchorCtr="0" anchor="t" bIns="91425" lIns="91425" spcFirstLastPara="1" rIns="91425" wrap="square" tIns="91425">
+            <a:normAutofit fontScale="90000"/>
+          </a:bodyPr>
+          <a:lstStyle/>
+          <a:p>
+            <a:pPr indent="0" lvl="0" marL="0" rtl="0" algn="l">
+              <a:spcBef>
+                <a:spcPts val="0"/>
+              </a:spcBef>
+              <a:spcAft>
+                <a:spcPts val="0"/>
+              </a:spcAft>
+              <a:buNone/>
+            </a:pPr>
+            <a:r>
+              <a:rPr lang="en"/>
+              <a:t>Next steps</a:t>
+            </a:r>
+            <a:endParaRPr/>
+          </a:p>
+        </p:txBody>
+      </p:sp>
+      <p:sp>
+        <p:nvSpPr>
+          <p:cNvPr id="131" name="Google Shape;131;p26"/>
+          <p:cNvSpPr txBox="1"/>
+          <p:nvPr>
+            <p:ph idx="1" type="body"/>
+          </p:nvPr>
+        </p:nvSpPr>
+        <p:spPr>
+          <a:xfrm>
+            <a:off x="311700" y="1152475"/>
+            <a:ext cx="8520600" cy="3416400"/>
+          </a:xfrm>
+          <a:prstGeom prst="rect">
+            <a:avLst/>
+          </a:prstGeom>
+        </p:spPr>
+        <p:txBody>
+          <a:bodyPr anchorCtr="0" anchor="t" bIns="91425" lIns="91425" spcFirstLastPara="1" rIns="91425" wrap="square" tIns="91425">
+            <a:normAutofit/>
+          </a:bodyPr>
+          <a:lstStyle/>
+          <a:p>
             <a:pPr indent="-342900" lvl="0" marL="457200" rtl="0" algn="l">
               <a:spcBef>
                 <a:spcPts val="0"/>
@@ -7321,7 +7586,7 @@
             </a:endParaRPr>
           </a:p>
           <a:p>
-            <a:pPr indent="0" lvl="0" marL="0" rtl="0" algn="l">
+            <a:pPr indent="-342900" lvl="0" marL="457200" rtl="0" algn="l">
               <a:lnSpc>
                 <a:spcPct val="140000"/>
               </a:lnSpc>
@@ -7331,16 +7596,231 @@
               <a:spcAft>
                 <a:spcPts val="0"/>
               </a:spcAft>
-              <a:buNone/>
+              <a:buClr>
+                <a:srgbClr val="1C1D1F"/>
+              </a:buClr>
+              <a:buSzPts val="1800"/>
+              <a:buChar char="-"/>
             </a:pPr>
             <a:r>
-              <a:t/>
+              <a:rPr lang="en">
+                <a:solidFill>
+                  <a:srgbClr val="1C1D1F"/>
+                </a:solidFill>
+              </a:rPr>
+              <a:t>Use email automation once guests checkout</a:t>
             </a:r>
             <a:endParaRPr>
               <a:solidFill>
                 <a:srgbClr val="1C1D1F"/>
               </a:solidFill>
             </a:endParaRPr>
+          </a:p>
+          <a:p>
+            <a:pPr indent="-342900" lvl="0" marL="457200" rtl="0" algn="l">
+              <a:lnSpc>
+                <a:spcPct val="140000"/>
+              </a:lnSpc>
+              <a:spcBef>
+                <a:spcPts val="0"/>
+              </a:spcBef>
+              <a:spcAft>
+                <a:spcPts val="0"/>
+              </a:spcAft>
+              <a:buClr>
+                <a:srgbClr val="1C1D1F"/>
+              </a:buClr>
+              <a:buSzPts val="1800"/>
+              <a:buChar char="-"/>
+            </a:pPr>
+            <a:r>
+              <a:rPr lang="en">
+                <a:solidFill>
+                  <a:srgbClr val="1C1D1F"/>
+                </a:solidFill>
+              </a:rPr>
+              <a:t>Encourage feedback with chatbots once checking in and checking out</a:t>
+            </a:r>
+            <a:endParaRPr>
+              <a:solidFill>
+                <a:srgbClr val="1C1D1F"/>
+              </a:solidFill>
+            </a:endParaRPr>
+          </a:p>
+          <a:p>
+            <a:pPr indent="-342900" lvl="0" marL="457200" rtl="0" algn="l">
+              <a:lnSpc>
+                <a:spcPct val="140000"/>
+              </a:lnSpc>
+              <a:spcBef>
+                <a:spcPts val="0"/>
+              </a:spcBef>
+              <a:spcAft>
+                <a:spcPts val="0"/>
+              </a:spcAft>
+              <a:buClr>
+                <a:srgbClr val="1C1D1F"/>
+              </a:buClr>
+              <a:buSzPts val="1800"/>
+              <a:buChar char="-"/>
+            </a:pPr>
+            <a:r>
+              <a:rPr lang="en">
+                <a:solidFill>
+                  <a:srgbClr val="1C1D1F"/>
+                </a:solidFill>
+              </a:rPr>
+              <a:t>Train staff to go above and </a:t>
+            </a:r>
+            <a:r>
+              <a:rPr lang="en">
+                <a:solidFill>
+                  <a:srgbClr val="1C1D1F"/>
+                </a:solidFill>
+              </a:rPr>
+              <a:t>beyond for guests</a:t>
+            </a:r>
+            <a:endParaRPr>
+              <a:solidFill>
+                <a:srgbClr val="1C1D1F"/>
+              </a:solidFill>
+            </a:endParaRPr>
+          </a:p>
+        </p:txBody>
+      </p:sp>
+    </p:spTree>
+  </p:cSld>
+  <p:clrMapOvr>
+    <a:masterClrMapping/>
+  </p:clrMapOvr>
+</p:sld>
+</file>
+
+<file path=ppt/slides/slide15.xml><?xml version="1.0" encoding="utf-8"?>
+<p:sld xmlns:a="http://schemas.openxmlformats.org/drawingml/2006/main" xmlns:r="http://schemas.openxmlformats.org/officeDocument/2006/relationships" xmlns:mc="http://schemas.openxmlformats.org/markup-compatibility/2006" xmlns:mv="urn:schemas-microsoft-com:mac:vml" xmlns:p="http://schemas.openxmlformats.org/presentationml/2006/main" xmlns:c="http://schemas.openxmlformats.org/drawingml/2006/chart" xmlns:dgm="http://schemas.openxmlformats.org/drawingml/2006/diagram" xmlns:o="urn:schemas-microsoft-com:office:office" xmlns:v="urn:schemas-microsoft-com:vml" xmlns:pvml="urn:schemas-microsoft-com:office:powerpoint" xmlns:com="http://schemas.openxmlformats.org/drawingml/2006/compatibility" xmlns:p14="http://schemas.microsoft.com/office/powerpoint/2010/main" xmlns:p15="http://schemas.microsoft.com/office/powerpoint/2012/main" xmlns:ahyp="http://schemas.microsoft.com/office/drawing/2018/hyperlinkcolor">
+  <p:cSld>
+    <p:spTree>
+      <p:nvGrpSpPr>
+        <p:cNvPr id="135" name="Shape 135"/>
+        <p:cNvGrpSpPr/>
+        <p:nvPr/>
+      </p:nvGrpSpPr>
+      <p:grpSpPr>
+        <a:xfrm>
+          <a:off x="0" y="0"/>
+          <a:ext cx="0" cy="0"/>
+          <a:chOff x="0" y="0"/>
+          <a:chExt cx="0" cy="0"/>
+        </a:xfrm>
+      </p:grpSpPr>
+      <p:sp>
+        <p:nvSpPr>
+          <p:cNvPr id="136" name="Google Shape;136;p27"/>
+          <p:cNvSpPr txBox="1"/>
+          <p:nvPr>
+            <p:ph type="title"/>
+          </p:nvPr>
+        </p:nvSpPr>
+        <p:spPr>
+          <a:xfrm>
+            <a:off x="311700" y="445025"/>
+            <a:ext cx="8520600" cy="572700"/>
+          </a:xfrm>
+          <a:prstGeom prst="rect">
+            <a:avLst/>
+          </a:prstGeom>
+        </p:spPr>
+        <p:txBody>
+          <a:bodyPr anchorCtr="0" anchor="t" bIns="91425" lIns="91425" spcFirstLastPara="1" rIns="91425" wrap="square" tIns="91425">
+            <a:normAutofit fontScale="90000"/>
+          </a:bodyPr>
+          <a:lstStyle/>
+          <a:p>
+            <a:pPr indent="0" lvl="0" marL="0" rtl="0" algn="l">
+              <a:spcBef>
+                <a:spcPts val="0"/>
+              </a:spcBef>
+              <a:spcAft>
+                <a:spcPts val="0"/>
+              </a:spcAft>
+              <a:buNone/>
+            </a:pPr>
+            <a:r>
+              <a:rPr lang="en"/>
+              <a:t>Sources:</a:t>
+            </a:r>
+            <a:endParaRPr/>
+          </a:p>
+        </p:txBody>
+      </p:sp>
+      <p:sp>
+        <p:nvSpPr>
+          <p:cNvPr id="137" name="Google Shape;137;p27"/>
+          <p:cNvSpPr txBox="1"/>
+          <p:nvPr>
+            <p:ph idx="1" type="body"/>
+          </p:nvPr>
+        </p:nvSpPr>
+        <p:spPr>
+          <a:xfrm>
+            <a:off x="311700" y="1152475"/>
+            <a:ext cx="8520600" cy="3416400"/>
+          </a:xfrm>
+          <a:prstGeom prst="rect">
+            <a:avLst/>
+          </a:prstGeom>
+        </p:spPr>
+        <p:txBody>
+          <a:bodyPr anchorCtr="0" anchor="t" bIns="91425" lIns="91425" spcFirstLastPara="1" rIns="91425" wrap="square" tIns="91425">
+            <a:normAutofit/>
+          </a:bodyPr>
+          <a:lstStyle/>
+          <a:p>
+            <a:pPr indent="-342900" lvl="0" marL="457200" rtl="0" algn="l">
+              <a:lnSpc>
+                <a:spcPct val="140000"/>
+              </a:lnSpc>
+              <a:spcBef>
+                <a:spcPts val="0"/>
+              </a:spcBef>
+              <a:spcAft>
+                <a:spcPts val="0"/>
+              </a:spcAft>
+              <a:buClr>
+                <a:srgbClr val="1C1D1F"/>
+              </a:buClr>
+              <a:buSzPts val="1800"/>
+              <a:buAutoNum type="arabicPeriod"/>
+            </a:pPr>
+            <a:r>
+              <a:rPr lang="en" u="sng">
+                <a:solidFill>
+                  <a:schemeClr val="hlink"/>
+                </a:solidFill>
+                <a:hlinkClick r:id="rId3"/>
+              </a:rPr>
+              <a:t>https://www.sciencedirect.com/science/article/abs/pii/S027843191400125X</a:t>
+            </a:r>
+            <a:endParaRPr/>
+          </a:p>
+          <a:p>
+            <a:pPr indent="-342900" lvl="0" marL="457200" rtl="0" algn="l">
+              <a:lnSpc>
+                <a:spcPct val="140000"/>
+              </a:lnSpc>
+              <a:spcBef>
+                <a:spcPts val="0"/>
+              </a:spcBef>
+              <a:spcAft>
+                <a:spcPts val="0"/>
+              </a:spcAft>
+              <a:buSzPts val="1800"/>
+              <a:buAutoNum type="arabicPeriod"/>
+            </a:pPr>
+            <a:r>
+              <a:t/>
+            </a:r>
+            <a:endParaRPr/>
           </a:p>
         </p:txBody>
       </p:sp>
@@ -7428,7 +7908,7 @@
         </p:spPr>
         <p:txBody>
           <a:bodyPr anchorCtr="0" anchor="t" bIns="91425" lIns="91425" spcFirstLastPara="1" rIns="91425" wrap="square" tIns="91425">
-            <a:normAutofit/>
+            <a:normAutofit lnSpcReduction="10000"/>
           </a:bodyPr>
           <a:lstStyle/>
           <a:p>
@@ -7437,7 +7917,7 @@
                 <a:spcPts val="0"/>
               </a:spcBef>
               <a:spcAft>
-                <a:spcPts val="1200"/>
+                <a:spcPts val="0"/>
               </a:spcAft>
               <a:buNone/>
             </a:pPr>
@@ -7449,7 +7929,107 @@
               </a:rPr>
               <a:t>Data science and Marketing are two of the key driving forces that help companies create value and stay on top in today’s fast-paced economy.</a:t>
             </a:r>
-            <a:endParaRPr/>
+            <a:endParaRPr>
+              <a:solidFill>
+                <a:srgbClr val="1C1D1F"/>
+              </a:solidFill>
+            </a:endParaRPr>
+          </a:p>
+          <a:p>
+            <a:pPr indent="0" lvl="0" marL="0" rtl="0" algn="l">
+              <a:spcBef>
+                <a:spcPts val="1200"/>
+              </a:spcBef>
+              <a:spcAft>
+                <a:spcPts val="0"/>
+              </a:spcAft>
+              <a:buNone/>
+            </a:pPr>
+            <a:r>
+              <a:rPr lang="en" sz="1350">
+                <a:solidFill>
+                  <a:srgbClr val="2E2E2E"/>
+                </a:solidFill>
+                <a:latin typeface="Georgia"/>
+                <a:ea typeface="Georgia"/>
+                <a:cs typeface="Georgia"/>
+                <a:sym typeface="Georgia"/>
+              </a:rPr>
+              <a:t>This study identifies the business value of consumer reviews and management responses to hotel performance. The results show that overall rating, attribute ratings of purchase value, location and cleanliness, variation and volume of consumer reviews, and the number of management responses are significantly associated with hotel performance. In addition, variation and volume of consumer reviews moderate the relationship between overall rating and hotel performance.</a:t>
+            </a:r>
+            <a:endParaRPr sz="1350">
+              <a:solidFill>
+                <a:srgbClr val="2E2E2E"/>
+              </a:solidFill>
+              <a:latin typeface="Georgia"/>
+              <a:ea typeface="Georgia"/>
+              <a:cs typeface="Georgia"/>
+              <a:sym typeface="Georgia"/>
+            </a:endParaRPr>
+          </a:p>
+          <a:p>
+            <a:pPr indent="0" lvl="0" marL="0" rtl="0" algn="l">
+              <a:spcBef>
+                <a:spcPts val="1200"/>
+              </a:spcBef>
+              <a:spcAft>
+                <a:spcPts val="0"/>
+              </a:spcAft>
+              <a:buNone/>
+            </a:pPr>
+            <a:r>
+              <a:rPr lang="en" sz="1350">
+                <a:solidFill>
+                  <a:srgbClr val="2E2E2E"/>
+                </a:solidFill>
+                <a:latin typeface="Georgia"/>
+                <a:ea typeface="Georgia"/>
+                <a:cs typeface="Georgia"/>
+                <a:sym typeface="Georgia"/>
+              </a:rPr>
+              <a:t>word-of-mouth (eWOM)</a:t>
+            </a:r>
+            <a:endParaRPr sz="1350">
+              <a:solidFill>
+                <a:srgbClr val="2E2E2E"/>
+              </a:solidFill>
+              <a:latin typeface="Georgia"/>
+              <a:ea typeface="Georgia"/>
+              <a:cs typeface="Georgia"/>
+              <a:sym typeface="Georgia"/>
+            </a:endParaRPr>
+          </a:p>
+          <a:p>
+            <a:pPr indent="0" lvl="0" marL="0" rtl="0" algn="l">
+              <a:spcBef>
+                <a:spcPts val="1200"/>
+              </a:spcBef>
+              <a:spcAft>
+                <a:spcPts val="1200"/>
+              </a:spcAft>
+              <a:buNone/>
+            </a:pPr>
+            <a:r>
+              <a:rPr lang="en" sz="1350">
+                <a:solidFill>
+                  <a:srgbClr val="2E2E2E"/>
+                </a:solidFill>
+                <a:latin typeface="Georgia"/>
+                <a:ea typeface="Georgia"/>
+                <a:cs typeface="Georgia"/>
+                <a:sym typeface="Georgia"/>
+              </a:rPr>
+              <a:t>According to findings from a joint research by PowerReviews and the E-tailing Group, about 22% of respondents said that they “always” read consumer reviews before making a purchase, 43% of respondents said that they check consumer ratings and reviews “most of the time”, and about 68% read “at least four reviews” before making a purchase</a:t>
+            </a:r>
+            <a:endParaRPr sz="1350">
+              <a:solidFill>
+                <a:srgbClr val="2E2E2E"/>
+              </a:solidFill>
+              <a:latin typeface="Georgia"/>
+              <a:ea typeface="Georgia"/>
+              <a:cs typeface="Georgia"/>
+              <a:sym typeface="Georgia"/>
+            </a:endParaRPr>
           </a:p>
         </p:txBody>
       </p:sp>
@@ -7512,7 +8092,7 @@
             </a:pPr>
             <a:r>
               <a:rPr lang="en"/>
-              <a:t>Project Planning and Management</a:t>
+              <a:t>Introduction (draft-2)</a:t>
             </a:r>
             <a:endParaRPr/>
           </a:p>
@@ -7546,66 +8126,31 @@
                 <a:spcPts val="0"/>
               </a:spcBef>
               <a:spcAft>
-                <a:spcPts val="0"/>
+                <a:spcPts val="1200"/>
               </a:spcAft>
               <a:buNone/>
             </a:pPr>
             <a:r>
-              <a:rPr lang="en"/>
-              <a:t>“Decide what you want and then act as if you already had it” Jim Rohn</a:t>
+              <a:rPr lang="en" sz="1350">
+                <a:solidFill>
+                  <a:srgbClr val="2E2E2E"/>
+                </a:solidFill>
+                <a:latin typeface="Georgia"/>
+                <a:ea typeface="Georgia"/>
+                <a:cs typeface="Georgia"/>
+                <a:sym typeface="Georgia"/>
+              </a:rPr>
+              <a:t>Management responses that can address service-related issues and recover the service failure will likely increase the consumer's likelihood of recommending the hotel (Barsky and Frame, 2009).</a:t>
             </a:r>
-            <a:endParaRPr/>
-          </a:p>
-          <a:p>
-            <a:pPr indent="-342900" lvl="0" marL="457200" rtl="0" algn="l">
-              <a:spcBef>
-                <a:spcPts val="1200"/>
-              </a:spcBef>
-              <a:spcAft>
-                <a:spcPts val="0"/>
-              </a:spcAft>
-              <a:buSzPts val="1800"/>
-              <a:buAutoNum type="arabicPeriod"/>
-            </a:pPr>
-            <a:r>
-              <a:rPr lang="en"/>
-              <a:t>Managing the backlogs</a:t>
-            </a:r>
-            <a:endParaRPr/>
-          </a:p>
-          <a:p>
-            <a:pPr indent="-342900" lvl="0" marL="457200" rtl="0" algn="l">
-              <a:spcBef>
-                <a:spcPts val="0"/>
-              </a:spcBef>
-              <a:spcAft>
-                <a:spcPts val="0"/>
-              </a:spcAft>
-              <a:buSzPts val="1800"/>
-              <a:buAutoNum type="arabicPeriod"/>
-            </a:pPr>
-            <a:r>
-              <a:rPr lang="en"/>
-              <a:t>Using kanban to create and track progress</a:t>
-            </a:r>
-            <a:endParaRPr/>
-          </a:p>
-          <a:p>
-            <a:pPr indent="-342900" lvl="0" marL="457200" rtl="0" algn="l">
-              <a:spcBef>
-                <a:spcPts val="0"/>
-              </a:spcBef>
-              <a:spcAft>
-                <a:spcPts val="0"/>
-              </a:spcAft>
-              <a:buSzPts val="1800"/>
-              <a:buAutoNum type="arabicPeriod"/>
-            </a:pPr>
-            <a:r>
-              <a:rPr lang="en"/>
-              <a:t>Complete documentation on Word (TBD)</a:t>
-            </a:r>
-            <a:endParaRPr/>
+            <a:endParaRPr sz="1350">
+              <a:solidFill>
+                <a:srgbClr val="2E2E2E"/>
+              </a:solidFill>
+              <a:latin typeface="Georgia"/>
+              <a:ea typeface="Georgia"/>
+              <a:cs typeface="Georgia"/>
+              <a:sym typeface="Georgia"/>
+            </a:endParaRPr>
           </a:p>
         </p:txBody>
       </p:sp>
@@ -7674,34 +8219,97 @@
           </a:p>
         </p:txBody>
       </p:sp>
-      <p:pic>
-        <p:nvPicPr>
+      <p:sp>
+        <p:nvSpPr>
           <p:cNvPr id="73" name="Google Shape;73;p16"/>
-          <p:cNvPicPr preferRelativeResize="0"/>
-          <p:nvPr/>
-        </p:nvPicPr>
-        <p:blipFill>
-          <a:blip r:embed="rId3">
-            <a:alphaModFix/>
-          </a:blip>
-          <a:stretch>
-            <a:fillRect/>
-          </a:stretch>
-        </p:blipFill>
+          <p:cNvSpPr txBox="1"/>
+          <p:nvPr>
+            <p:ph idx="1" type="body"/>
+          </p:nvPr>
+        </p:nvSpPr>
         <p:spPr>
           <a:xfrm>
-            <a:off x="311700" y="1076000"/>
-            <a:ext cx="7754858" cy="3820976"/>
+            <a:off x="311700" y="1152475"/>
+            <a:ext cx="8520600" cy="3416400"/>
           </a:xfrm>
           <a:prstGeom prst="rect">
             <a:avLst/>
           </a:prstGeom>
-          <a:noFill/>
-          <a:ln>
-            <a:noFill/>
-          </a:ln>
         </p:spPr>
-      </p:pic>
+        <p:txBody>
+          <a:bodyPr anchorCtr="0" anchor="t" bIns="91425" lIns="91425" spcFirstLastPara="1" rIns="91425" wrap="square" tIns="91425">
+            <a:normAutofit/>
+          </a:bodyPr>
+          <a:lstStyle/>
+          <a:p>
+            <a:pPr indent="0" lvl="0" marL="0" rtl="0" algn="l">
+              <a:spcBef>
+                <a:spcPts val="0"/>
+              </a:spcBef>
+              <a:spcAft>
+                <a:spcPts val="0"/>
+              </a:spcAft>
+              <a:buNone/>
+            </a:pPr>
+            <a:r>
+              <a:rPr lang="en"/>
+              <a:t>“Decide what you want and then act as if you already had it” Jim Rohn</a:t>
+            </a:r>
+            <a:endParaRPr/>
+          </a:p>
+          <a:p>
+            <a:pPr indent="-342900" lvl="0" marL="457200" rtl="0" algn="l">
+              <a:spcBef>
+                <a:spcPts val="1200"/>
+              </a:spcBef>
+              <a:spcAft>
+                <a:spcPts val="0"/>
+              </a:spcAft>
+              <a:buSzPts val="1800"/>
+              <a:buAutoNum type="arabicPeriod"/>
+            </a:pPr>
+            <a:r>
+              <a:rPr lang="en"/>
+              <a:t>Managing the backlogs</a:t>
+            </a:r>
+            <a:endParaRPr/>
+          </a:p>
+          <a:p>
+            <a:pPr indent="-342900" lvl="0" marL="457200" rtl="0" algn="l">
+              <a:spcBef>
+                <a:spcPts val="0"/>
+              </a:spcBef>
+              <a:spcAft>
+                <a:spcPts val="0"/>
+              </a:spcAft>
+              <a:buSzPts val="1800"/>
+              <a:buAutoNum type="arabicPeriod"/>
+            </a:pPr>
+            <a:r>
+              <a:rPr lang="en"/>
+              <a:t>Using kanban to create and track progress</a:t>
+            </a:r>
+            <a:endParaRPr/>
+          </a:p>
+          <a:p>
+            <a:pPr indent="-342900" lvl="0" marL="457200" rtl="0" algn="l">
+              <a:spcBef>
+                <a:spcPts val="0"/>
+              </a:spcBef>
+              <a:spcAft>
+                <a:spcPts val="0"/>
+              </a:spcAft>
+              <a:buSzPts val="1800"/>
+              <a:buAutoNum type="arabicPeriod"/>
+            </a:pPr>
+            <a:r>
+              <a:rPr lang="en"/>
+              <a:t>Complete documentation on Word (TBD)</a:t>
+            </a:r>
+            <a:endParaRPr/>
+          </a:p>
+        </p:txBody>
+      </p:sp>
     </p:spTree>
   </p:cSld>
   <p:clrMapOvr>
@@ -7761,51 +8369,40 @@
             </a:pPr>
             <a:r>
               <a:rPr lang="en"/>
-              <a:t>Data cleaning</a:t>
+              <a:t>Project Planning and Management</a:t>
             </a:r>
             <a:endParaRPr/>
           </a:p>
         </p:txBody>
       </p:sp>
-      <p:sp>
-        <p:nvSpPr>
+      <p:pic>
+        <p:nvPicPr>
           <p:cNvPr id="79" name="Google Shape;79;p17"/>
-          <p:cNvSpPr txBox="1"/>
-          <p:nvPr>
-            <p:ph idx="1" type="body"/>
-          </p:nvPr>
-        </p:nvSpPr>
+          <p:cNvPicPr preferRelativeResize="0"/>
+          <p:nvPr/>
+        </p:nvPicPr>
+        <p:blipFill>
+          <a:blip r:embed="rId3">
+            <a:alphaModFix/>
+          </a:blip>
+          <a:stretch>
+            <a:fillRect/>
+          </a:stretch>
+        </p:blipFill>
         <p:spPr>
           <a:xfrm>
-            <a:off x="311700" y="1152475"/>
-            <a:ext cx="8520600" cy="3416400"/>
+            <a:off x="311700" y="1076000"/>
+            <a:ext cx="7754858" cy="3820976"/>
           </a:xfrm>
           <a:prstGeom prst="rect">
             <a:avLst/>
           </a:prstGeom>
+          <a:noFill/>
+          <a:ln>
+            <a:noFill/>
+          </a:ln>
         </p:spPr>
-        <p:txBody>
-          <a:bodyPr anchorCtr="0" anchor="t" bIns="91425" lIns="91425" spcFirstLastPara="1" rIns="91425" wrap="square" tIns="91425">
-            <a:normAutofit/>
-          </a:bodyPr>
-          <a:lstStyle/>
-          <a:p>
-            <a:pPr indent="0" lvl="0" marL="0" rtl="0" algn="l">
-              <a:spcBef>
-                <a:spcPts val="0"/>
-              </a:spcBef>
-              <a:spcAft>
-                <a:spcPts val="1200"/>
-              </a:spcAft>
-              <a:buNone/>
-            </a:pPr>
-            <a:r>
-              <a:t/>
-            </a:r>
-            <a:endParaRPr/>
-          </a:p>
-        </p:txBody>
-      </p:sp>
+      </p:pic>
     </p:spTree>
   </p:cSld>
   <p:clrMapOvr>
@@ -7865,7 +8462,7 @@
             </a:pPr>
             <a:r>
               <a:rPr lang="en"/>
-              <a:t>Data exploration</a:t>
+              <a:t>Data cleaning</a:t>
             </a:r>
             <a:endParaRPr/>
           </a:p>
@@ -7969,7 +8566,7 @@
             </a:pPr>
             <a:r>
               <a:rPr lang="en"/>
-              <a:t>Word cleaning and processing</a:t>
+              <a:t>Data exploration</a:t>
             </a:r>
             <a:endParaRPr/>
           </a:p>
@@ -8073,7 +8670,7 @@
             </a:pPr>
             <a:r>
               <a:rPr lang="en"/>
-              <a:t>Creating models</a:t>
+              <a:t>Word cleaning and processing</a:t>
             </a:r>
             <a:endParaRPr/>
           </a:p>
@@ -8153,31 +8750,79 @@
         </p:nvSpPr>
         <p:spPr>
           <a:xfrm>
-            <a:off x="311700" y="2150850"/>
-            <a:ext cx="8520600" cy="841800"/>
+            <a:off x="311700" y="445025"/>
+            <a:ext cx="8520600" cy="572700"/>
           </a:xfrm>
           <a:prstGeom prst="rect">
             <a:avLst/>
           </a:prstGeom>
         </p:spPr>
         <p:txBody>
-          <a:bodyPr anchorCtr="0" anchor="ctr" bIns="91425" lIns="91425" spcFirstLastPara="1" rIns="91425" wrap="square" tIns="91425">
+          <a:bodyPr anchorCtr="0" anchor="t" bIns="91425" lIns="91425" spcFirstLastPara="1" rIns="91425" wrap="square" tIns="91425">
+            <a:normAutofit fontScale="90000"/>
+          </a:bodyPr>
+          <a:lstStyle/>
+          <a:p>
+            <a:pPr indent="0" lvl="0" marL="0" rtl="0" algn="l">
+              <a:spcBef>
+                <a:spcPts val="0"/>
+              </a:spcBef>
+              <a:spcAft>
+                <a:spcPts val="0"/>
+              </a:spcAft>
+              <a:buNone/>
+            </a:pPr>
+            <a:r>
+              <a:rPr lang="en"/>
+              <a:t>Creating models</a:t>
+            </a:r>
+            <a:endParaRPr/>
+          </a:p>
+        </p:txBody>
+      </p:sp>
+      <p:sp>
+        <p:nvSpPr>
+          <p:cNvPr id="103" name="Google Shape;103;p21"/>
+          <p:cNvSpPr txBox="1"/>
+          <p:nvPr>
+            <p:ph idx="1" type="body"/>
+          </p:nvPr>
+        </p:nvSpPr>
+        <p:spPr>
+          <a:xfrm>
+            <a:off x="311700" y="1152475"/>
+            <a:ext cx="8520600" cy="3416400"/>
+          </a:xfrm>
+          <a:prstGeom prst="rect">
+            <a:avLst/>
+          </a:prstGeom>
+        </p:spPr>
+        <p:txBody>
+          <a:bodyPr anchorCtr="0" anchor="t" bIns="91425" lIns="91425" spcFirstLastPara="1" rIns="91425" wrap="square" tIns="91425">
             <a:normAutofit/>
           </a:bodyPr>
           <a:lstStyle/>
           <a:p>
-            <a:pPr indent="0" lvl="0" marL="0" rtl="0" algn="ctr">
-              <a:spcBef>
-                <a:spcPts val="0"/>
-              </a:spcBef>
-              <a:spcAft>
-                <a:spcPts val="0"/>
+            <a:pPr indent="0" lvl="0" marL="0" rtl="0" algn="l">
+              <a:spcBef>
+                <a:spcPts val="0"/>
+              </a:spcBef>
+              <a:spcAft>
+                <a:spcPts val="1200"/>
               </a:spcAft>
               <a:buNone/>
             </a:pPr>
             <a:r>
-              <a:rPr lang="en"/>
-              <a:t>Quantitative Analysis</a:t>
+              <a:rPr lang="en" sz="1350">
+                <a:solidFill>
+                  <a:srgbClr val="2E2E2E"/>
+                </a:solidFill>
+                <a:latin typeface="Georgia"/>
+                <a:ea typeface="Georgia"/>
+                <a:cs typeface="Georgia"/>
+                <a:sym typeface="Georgia"/>
+              </a:rPr>
+              <a:t>We use a linear regression model to examine the relationships among consumer reviews, management responses, and hotel performance. The dependent variable is RevPAR, which has been used in the hospitality industry as a measure of hotel performance because it captures the supply-and-demand dynamics in one index (Ismail et al., 2002). The independent variables include consumer review factors, namely, overall rating, attribute ratings, review variation, review volume as well as the number of</a:t>
             </a:r>
             <a:endParaRPr/>
           </a:p>
